--- a/Getting started with NHibernate.pptx
+++ b/Getting started with NHibernate.pptx
@@ -5,7 +5,7 @@
     <p:sldMasterId id="2147483648" r:id="rId1"/>
   </p:sldMasterIdLst>
   <p:notesMasterIdLst>
-    <p:notesMasterId r:id="rId8"/>
+    <p:notesMasterId r:id="rId9"/>
   </p:notesMasterIdLst>
   <p:sldIdLst>
     <p:sldId id="256" r:id="rId2"/>
@@ -14,6 +14,7 @@
     <p:sldId id="259" r:id="rId5"/>
     <p:sldId id="260" r:id="rId6"/>
     <p:sldId id="261" r:id="rId7"/>
+    <p:sldId id="262" r:id="rId8"/>
   </p:sldIdLst>
   <p:sldSz cx="9144000" cy="6858000" type="screen4x3"/>
   <p:notesSz cx="6858000" cy="9144000"/>
@@ -197,7 +198,8 @@
           <a:p>
             <a:fld id="{3B3D978E-9A4D-4684-900F-5D0F9A4814D1}" type="datetimeFigureOut">
               <a:rPr lang="da-DK" smtClean="0"/>
-              <a:t>12-04-2011</a:t>
+              <a:pPr/>
+              <a:t>13-04-2011</a:t>
             </a:fld>
             <a:endParaRPr lang="da-DK"/>
           </a:p>
@@ -358,6 +360,7 @@
           <a:p>
             <a:fld id="{7BB6D268-C5D5-46CB-87A0-5E0D564ACC1A}" type="slidenum">
               <a:rPr lang="da-DK" smtClean="0"/>
+              <a:pPr/>
               <a:t>‹#›</a:t>
             </a:fld>
             <a:endParaRPr lang="da-DK"/>
@@ -564,6 +567,7 @@
           <a:p>
             <a:fld id="{7BB6D268-C5D5-46CB-87A0-5E0D564ACC1A}" type="slidenum">
               <a:rPr lang="da-DK" smtClean="0"/>
+              <a:pPr/>
               <a:t>3</a:t>
             </a:fld>
             <a:endParaRPr lang="da-DK"/>
@@ -645,6 +649,7 @@
           <a:p>
             <a:fld id="{7BB6D268-C5D5-46CB-87A0-5E0D564ACC1A}" type="slidenum">
               <a:rPr lang="da-DK" smtClean="0"/>
+              <a:pPr/>
               <a:t>5</a:t>
             </a:fld>
             <a:endParaRPr lang="da-DK"/>
@@ -840,7 +845,8 @@
           <a:p>
             <a:fld id="{2964CFCF-C487-4891-AD4D-D228AB7B4676}" type="datetimeFigureOut">
               <a:rPr lang="da-DK" smtClean="0"/>
-              <a:t>12-04-2011</a:t>
+              <a:pPr/>
+              <a:t>13-04-2011</a:t>
             </a:fld>
             <a:endParaRPr lang="da-DK"/>
           </a:p>
@@ -882,6 +888,7 @@
           <a:p>
             <a:fld id="{8E088F39-AD61-4200-9884-1D8F38BA7CB2}" type="slidenum">
               <a:rPr lang="da-DK" smtClean="0"/>
+              <a:pPr/>
               <a:t>‹#›</a:t>
             </a:fld>
             <a:endParaRPr lang="da-DK"/>
@@ -1005,7 +1012,8 @@
           <a:p>
             <a:fld id="{2964CFCF-C487-4891-AD4D-D228AB7B4676}" type="datetimeFigureOut">
               <a:rPr lang="da-DK" smtClean="0"/>
-              <a:t>12-04-2011</a:t>
+              <a:pPr/>
+              <a:t>13-04-2011</a:t>
             </a:fld>
             <a:endParaRPr lang="da-DK"/>
           </a:p>
@@ -1047,6 +1055,7 @@
           <a:p>
             <a:fld id="{8E088F39-AD61-4200-9884-1D8F38BA7CB2}" type="slidenum">
               <a:rPr lang="da-DK" smtClean="0"/>
+              <a:pPr/>
               <a:t>‹#›</a:t>
             </a:fld>
             <a:endParaRPr lang="da-DK"/>
@@ -1180,7 +1189,8 @@
           <a:p>
             <a:fld id="{2964CFCF-C487-4891-AD4D-D228AB7B4676}" type="datetimeFigureOut">
               <a:rPr lang="da-DK" smtClean="0"/>
-              <a:t>12-04-2011</a:t>
+              <a:pPr/>
+              <a:t>13-04-2011</a:t>
             </a:fld>
             <a:endParaRPr lang="da-DK"/>
           </a:p>
@@ -1222,6 +1232,7 @@
           <a:p>
             <a:fld id="{8E088F39-AD61-4200-9884-1D8F38BA7CB2}" type="slidenum">
               <a:rPr lang="da-DK" smtClean="0"/>
+              <a:pPr/>
               <a:t>‹#›</a:t>
             </a:fld>
             <a:endParaRPr lang="da-DK"/>
@@ -1345,7 +1356,8 @@
           <a:p>
             <a:fld id="{2964CFCF-C487-4891-AD4D-D228AB7B4676}" type="datetimeFigureOut">
               <a:rPr lang="da-DK" smtClean="0"/>
-              <a:t>12-04-2011</a:t>
+              <a:pPr/>
+              <a:t>13-04-2011</a:t>
             </a:fld>
             <a:endParaRPr lang="da-DK"/>
           </a:p>
@@ -1387,6 +1399,7 @@
           <a:p>
             <a:fld id="{8E088F39-AD61-4200-9884-1D8F38BA7CB2}" type="slidenum">
               <a:rPr lang="da-DK" smtClean="0"/>
+              <a:pPr/>
               <a:t>‹#›</a:t>
             </a:fld>
             <a:endParaRPr lang="da-DK"/>
@@ -1586,7 +1599,8 @@
           <a:p>
             <a:fld id="{2964CFCF-C487-4891-AD4D-D228AB7B4676}" type="datetimeFigureOut">
               <a:rPr lang="da-DK" smtClean="0"/>
-              <a:t>12-04-2011</a:t>
+              <a:pPr/>
+              <a:t>13-04-2011</a:t>
             </a:fld>
             <a:endParaRPr lang="da-DK"/>
           </a:p>
@@ -1628,6 +1642,7 @@
           <a:p>
             <a:fld id="{8E088F39-AD61-4200-9884-1D8F38BA7CB2}" type="slidenum">
               <a:rPr lang="da-DK" smtClean="0"/>
+              <a:pPr/>
               <a:t>‹#›</a:t>
             </a:fld>
             <a:endParaRPr lang="da-DK"/>
@@ -1869,7 +1884,8 @@
           <a:p>
             <a:fld id="{2964CFCF-C487-4891-AD4D-D228AB7B4676}" type="datetimeFigureOut">
               <a:rPr lang="da-DK" smtClean="0"/>
-              <a:t>12-04-2011</a:t>
+              <a:pPr/>
+              <a:t>13-04-2011</a:t>
             </a:fld>
             <a:endParaRPr lang="da-DK"/>
           </a:p>
@@ -1911,6 +1927,7 @@
           <a:p>
             <a:fld id="{8E088F39-AD61-4200-9884-1D8F38BA7CB2}" type="slidenum">
               <a:rPr lang="da-DK" smtClean="0"/>
+              <a:pPr/>
               <a:t>‹#›</a:t>
             </a:fld>
             <a:endParaRPr lang="da-DK"/>
@@ -2286,7 +2303,8 @@
           <a:p>
             <a:fld id="{2964CFCF-C487-4891-AD4D-D228AB7B4676}" type="datetimeFigureOut">
               <a:rPr lang="da-DK" smtClean="0"/>
-              <a:t>12-04-2011</a:t>
+              <a:pPr/>
+              <a:t>13-04-2011</a:t>
             </a:fld>
             <a:endParaRPr lang="da-DK"/>
           </a:p>
@@ -2328,6 +2346,7 @@
           <a:p>
             <a:fld id="{8E088F39-AD61-4200-9884-1D8F38BA7CB2}" type="slidenum">
               <a:rPr lang="da-DK" smtClean="0"/>
+              <a:pPr/>
               <a:t>‹#›</a:t>
             </a:fld>
             <a:endParaRPr lang="da-DK"/>
@@ -2399,7 +2418,8 @@
           <a:p>
             <a:fld id="{2964CFCF-C487-4891-AD4D-D228AB7B4676}" type="datetimeFigureOut">
               <a:rPr lang="da-DK" smtClean="0"/>
-              <a:t>12-04-2011</a:t>
+              <a:pPr/>
+              <a:t>13-04-2011</a:t>
             </a:fld>
             <a:endParaRPr lang="da-DK"/>
           </a:p>
@@ -2441,6 +2461,7 @@
           <a:p>
             <a:fld id="{8E088F39-AD61-4200-9884-1D8F38BA7CB2}" type="slidenum">
               <a:rPr lang="da-DK" smtClean="0"/>
+              <a:pPr/>
               <a:t>‹#›</a:t>
             </a:fld>
             <a:endParaRPr lang="da-DK"/>
@@ -2489,7 +2510,8 @@
           <a:p>
             <a:fld id="{2964CFCF-C487-4891-AD4D-D228AB7B4676}" type="datetimeFigureOut">
               <a:rPr lang="da-DK" smtClean="0"/>
-              <a:t>12-04-2011</a:t>
+              <a:pPr/>
+              <a:t>13-04-2011</a:t>
             </a:fld>
             <a:endParaRPr lang="da-DK"/>
           </a:p>
@@ -2531,6 +2553,7 @@
           <a:p>
             <a:fld id="{8E088F39-AD61-4200-9884-1D8F38BA7CB2}" type="slidenum">
               <a:rPr lang="da-DK" smtClean="0"/>
+              <a:pPr/>
               <a:t>‹#›</a:t>
             </a:fld>
             <a:endParaRPr lang="da-DK"/>
@@ -2761,7 +2784,8 @@
           <a:p>
             <a:fld id="{2964CFCF-C487-4891-AD4D-D228AB7B4676}" type="datetimeFigureOut">
               <a:rPr lang="da-DK" smtClean="0"/>
-              <a:t>12-04-2011</a:t>
+              <a:pPr/>
+              <a:t>13-04-2011</a:t>
             </a:fld>
             <a:endParaRPr lang="da-DK"/>
           </a:p>
@@ -2803,6 +2827,7 @@
           <a:p>
             <a:fld id="{8E088F39-AD61-4200-9884-1D8F38BA7CB2}" type="slidenum">
               <a:rPr lang="da-DK" smtClean="0"/>
+              <a:pPr/>
               <a:t>‹#›</a:t>
             </a:fld>
             <a:endParaRPr lang="da-DK"/>
@@ -3009,7 +3034,8 @@
           <a:p>
             <a:fld id="{2964CFCF-C487-4891-AD4D-D228AB7B4676}" type="datetimeFigureOut">
               <a:rPr lang="da-DK" smtClean="0"/>
-              <a:t>12-04-2011</a:t>
+              <a:pPr/>
+              <a:t>13-04-2011</a:t>
             </a:fld>
             <a:endParaRPr lang="da-DK"/>
           </a:p>
@@ -3051,6 +3077,7 @@
           <a:p>
             <a:fld id="{8E088F39-AD61-4200-9884-1D8F38BA7CB2}" type="slidenum">
               <a:rPr lang="da-DK" smtClean="0"/>
+              <a:pPr/>
               <a:t>‹#›</a:t>
             </a:fld>
             <a:endParaRPr lang="da-DK"/>
@@ -3217,7 +3244,8 @@
           <a:p>
             <a:fld id="{2964CFCF-C487-4891-AD4D-D228AB7B4676}" type="datetimeFigureOut">
               <a:rPr lang="da-DK" smtClean="0"/>
-              <a:t>12-04-2011</a:t>
+              <a:pPr/>
+              <a:t>13-04-2011</a:t>
             </a:fld>
             <a:endParaRPr lang="da-DK"/>
           </a:p>
@@ -3295,6 +3323,7 @@
           <a:p>
             <a:fld id="{8E088F39-AD61-4200-9884-1D8F38BA7CB2}" type="slidenum">
               <a:rPr lang="da-DK" smtClean="0"/>
+              <a:pPr/>
               <a:t>‹#›</a:t>
             </a:fld>
             <a:endParaRPr lang="da-DK"/>
@@ -4361,6 +4390,176 @@
           </a:p>
         </p:txBody>
       </p:sp>
+    </p:spTree>
+  </p:cSld>
+  <p:clrMapOvr>
+    <a:masterClrMapping/>
+  </p:clrMapOvr>
+</p:sld>
+</file>
+
+<file path=ppt/slides/slide7.xml><?xml version="1.0" encoding="utf-8"?>
+<p:sld xmlns:a="http://schemas.openxmlformats.org/drawingml/2006/main" xmlns:r="http://schemas.openxmlformats.org/officeDocument/2006/relationships" xmlns:p="http://schemas.openxmlformats.org/presentationml/2006/main">
+  <p:cSld>
+    <p:spTree>
+      <p:nvGrpSpPr>
+        <p:cNvPr id="1" name=""/>
+        <p:cNvGrpSpPr/>
+        <p:nvPr/>
+      </p:nvGrpSpPr>
+      <p:grpSpPr>
+        <a:xfrm>
+          <a:off x="0" y="0"/>
+          <a:ext cx="0" cy="0"/>
+          <a:chOff x="0" y="0"/>
+          <a:chExt cx="0" cy="0"/>
+        </a:xfrm>
+      </p:grpSpPr>
+      <p:sp>
+        <p:nvSpPr>
+          <p:cNvPr id="2" name="Title 1"/>
+          <p:cNvSpPr>
+            <a:spLocks noGrp="1"/>
+          </p:cNvSpPr>
+          <p:nvPr>
+            <p:ph type="title"/>
+          </p:nvPr>
+        </p:nvSpPr>
+        <p:spPr/>
+        <p:txBody>
+          <a:bodyPr/>
+          <a:lstStyle/>
+          <a:p>
+            <a:r>
+              <a:rPr lang="da-DK" dirty="0" smtClean="0"/>
+              <a:t>Demo</a:t>
+            </a:r>
+            <a:endParaRPr lang="da-DK" dirty="0"/>
+          </a:p>
+        </p:txBody>
+      </p:sp>
+      <p:pic>
+        <p:nvPicPr>
+          <p:cNvPr id="1026" name="Picture 2" descr="C:\Projects\mow2011\diagram.png"/>
+          <p:cNvPicPr>
+            <a:picLocks noChangeAspect="1" noChangeArrowheads="1"/>
+          </p:cNvPicPr>
+          <p:nvPr/>
+        </p:nvPicPr>
+        <p:blipFill>
+          <a:blip r:embed="rId2" cstate="print"/>
+          <a:srcRect/>
+          <a:stretch>
+            <a:fillRect/>
+          </a:stretch>
+        </p:blipFill>
+        <p:spPr bwMode="auto">
+          <a:xfrm>
+            <a:off x="251520" y="1772816"/>
+            <a:ext cx="5848350" cy="2609850"/>
+          </a:xfrm>
+          <a:prstGeom prst="rect">
+            <a:avLst/>
+          </a:prstGeom>
+          <a:noFill/>
+        </p:spPr>
+      </p:pic>
+      <p:pic>
+        <p:nvPicPr>
+          <p:cNvPr id="1027" name="Picture 3"/>
+          <p:cNvPicPr>
+            <a:picLocks noChangeAspect="1" noChangeArrowheads="1"/>
+          </p:cNvPicPr>
+          <p:nvPr/>
+        </p:nvPicPr>
+        <p:blipFill>
+          <a:blip r:embed="rId3" cstate="print"/>
+          <a:srcRect/>
+          <a:stretch>
+            <a:fillRect/>
+          </a:stretch>
+        </p:blipFill>
+        <p:spPr bwMode="auto">
+          <a:xfrm>
+            <a:off x="0" y="3789040"/>
+            <a:ext cx="2684570" cy="1440160"/>
+          </a:xfrm>
+          <a:prstGeom prst="rect">
+            <a:avLst/>
+          </a:prstGeom>
+          <a:noFill/>
+          <a:ln w="9525">
+            <a:noFill/>
+            <a:miter lim="800000"/>
+            <a:headEnd/>
+            <a:tailEnd/>
+          </a:ln>
+        </p:spPr>
+      </p:pic>
+      <p:pic>
+        <p:nvPicPr>
+          <p:cNvPr id="1028" name="Picture 4"/>
+          <p:cNvPicPr>
+            <a:picLocks noChangeAspect="1" noChangeArrowheads="1"/>
+          </p:cNvPicPr>
+          <p:nvPr/>
+        </p:nvPicPr>
+        <p:blipFill>
+          <a:blip r:embed="rId4" cstate="print"/>
+          <a:srcRect/>
+          <a:stretch>
+            <a:fillRect/>
+          </a:stretch>
+        </p:blipFill>
+        <p:spPr bwMode="auto">
+          <a:xfrm>
+            <a:off x="6162021" y="1340768"/>
+            <a:ext cx="2981979" cy="1584176"/>
+          </a:xfrm>
+          <a:prstGeom prst="rect">
+            <a:avLst/>
+          </a:prstGeom>
+          <a:noFill/>
+          <a:ln w="9525">
+            <a:noFill/>
+            <a:miter lim="800000"/>
+            <a:headEnd/>
+            <a:tailEnd/>
+          </a:ln>
+        </p:spPr>
+      </p:pic>
+      <p:pic>
+        <p:nvPicPr>
+          <p:cNvPr id="1029" name="Picture 5"/>
+          <p:cNvPicPr>
+            <a:picLocks noChangeAspect="1" noChangeArrowheads="1"/>
+          </p:cNvPicPr>
+          <p:nvPr/>
+        </p:nvPicPr>
+        <p:blipFill>
+          <a:blip r:embed="rId5" cstate="print"/>
+          <a:srcRect/>
+          <a:stretch>
+            <a:fillRect/>
+          </a:stretch>
+        </p:blipFill>
+        <p:spPr bwMode="auto">
+          <a:xfrm>
+            <a:off x="6012160" y="3140968"/>
+            <a:ext cx="2880320" cy="1545171"/>
+          </a:xfrm>
+          <a:prstGeom prst="rect">
+            <a:avLst/>
+          </a:prstGeom>
+          <a:noFill/>
+          <a:ln w="9525">
+            <a:noFill/>
+            <a:miter lim="800000"/>
+            <a:headEnd/>
+            <a:tailEnd/>
+          </a:ln>
+        </p:spPr>
+      </p:pic>
     </p:spTree>
   </p:cSld>
   <p:clrMapOvr>

--- a/Getting started with NHibernate.pptx
+++ b/Getting started with NHibernate.pptx
@@ -5,16 +5,18 @@
     <p:sldMasterId id="2147483648" r:id="rId1"/>
   </p:sldMasterIdLst>
   <p:notesMasterIdLst>
-    <p:notesMasterId r:id="rId9"/>
+    <p:notesMasterId r:id="rId11"/>
   </p:notesMasterIdLst>
   <p:sldIdLst>
     <p:sldId id="256" r:id="rId2"/>
     <p:sldId id="257" r:id="rId3"/>
     <p:sldId id="258" r:id="rId4"/>
-    <p:sldId id="259" r:id="rId5"/>
-    <p:sldId id="260" r:id="rId6"/>
-    <p:sldId id="261" r:id="rId7"/>
-    <p:sldId id="262" r:id="rId8"/>
+    <p:sldId id="263" r:id="rId5"/>
+    <p:sldId id="259" r:id="rId6"/>
+    <p:sldId id="260" r:id="rId7"/>
+    <p:sldId id="261" r:id="rId8"/>
+    <p:sldId id="262" r:id="rId9"/>
+    <p:sldId id="264" r:id="rId10"/>
   </p:sldIdLst>
   <p:sldSz cx="9144000" cy="6858000" type="screen4x3"/>
   <p:notesSz cx="6858000" cy="9144000"/>
@@ -650,7 +652,7 @@
             <a:fld id="{7BB6D268-C5D5-46CB-87A0-5E0D564ACC1A}" type="slidenum">
               <a:rPr lang="da-DK" smtClean="0"/>
               <a:pPr/>
-              <a:t>5</a:t>
+              <a:t>6</a:t>
             </a:fld>
             <a:endParaRPr lang="da-DK"/>
           </a:p>
@@ -3832,14 +3834,20 @@
           <a:p>
             <a:r>
               <a:rPr lang="da-DK" dirty="0" smtClean="0"/>
-              <a:t>Lazy loading</a:t>
-            </a:r>
-          </a:p>
-          <a:p>
+              <a:t>Lazy </a:t>
+            </a:r>
             <a:r>
               <a:rPr lang="da-DK" dirty="0" smtClean="0"/>
-              <a:t>LINQ</a:t>
-            </a:r>
+              <a:t>loading</a:t>
+            </a:r>
+            <a:endParaRPr lang="da-DK" dirty="0" smtClean="0"/>
+          </a:p>
+          <a:p>
+            <a:r>
+              <a:rPr lang="da-DK" dirty="0" smtClean="0"/>
+              <a:t>Caching</a:t>
+            </a:r>
+            <a:endParaRPr lang="da-DK" dirty="0" smtClean="0"/>
           </a:p>
         </p:txBody>
       </p:sp>
@@ -3885,7 +3893,7 @@
           <a:p>
             <a:r>
               <a:rPr lang="da-DK" dirty="0" smtClean="0"/>
-              <a:t>XML Mapping</a:t>
+              <a:t>Components</a:t>
             </a:r>
             <a:endParaRPr lang="da-DK" dirty="0"/>
           </a:p>
@@ -3903,155 +3911,31 @@
         </p:nvSpPr>
         <p:spPr/>
         <p:txBody>
-          <a:bodyPr>
-            <a:normAutofit fontScale="62500" lnSpcReduction="20000"/>
-          </a:bodyPr>
-          <a:lstStyle/>
-          <a:p>
-            <a:pPr>
-              <a:buNone/>
-            </a:pPr>
-            <a:r>
-              <a:rPr lang="da-DK" dirty="0" smtClean="0">
-                <a:latin typeface="Lucida Console" pitchFamily="49" charset="0"/>
-              </a:rPr>
-              <a:t>&lt;hibernate-mapping&gt;</a:t>
-            </a:r>
-          </a:p>
-          <a:p>
-            <a:pPr>
-              <a:buNone/>
-            </a:pPr>
-            <a:r>
-              <a:rPr lang="da-DK" dirty="0" smtClean="0">
-                <a:latin typeface="Lucida Console" pitchFamily="49" charset="0"/>
-              </a:rPr>
-              <a:t>  &lt;class&gt;</a:t>
-            </a:r>
-          </a:p>
-          <a:p>
-            <a:pPr>
-              <a:buNone/>
-            </a:pPr>
-            <a:r>
-              <a:rPr lang="da-DK" dirty="0" smtClean="0">
-                <a:latin typeface="Lucida Console" pitchFamily="49" charset="0"/>
-              </a:rPr>
-              <a:t>    &lt;id name="Id" type="System.Int32”&gt;</a:t>
-            </a:r>
-          </a:p>
-          <a:p>
-            <a:pPr>
-              <a:buNone/>
-            </a:pPr>
-            <a:r>
-              <a:rPr lang="da-DK" dirty="0" smtClean="0">
-                <a:latin typeface="Lucida Console" pitchFamily="49" charset="0"/>
-              </a:rPr>
-              <a:t>      &lt;column name="Id" /&gt;</a:t>
-            </a:r>
-          </a:p>
-          <a:p>
-            <a:pPr>
-              <a:buNone/>
-            </a:pPr>
-            <a:r>
-              <a:rPr lang="da-DK" dirty="0" smtClean="0">
-                <a:latin typeface="Lucida Console" pitchFamily="49" charset="0"/>
-              </a:rPr>
-              <a:t>      &lt;generator class="hilo"&gt;</a:t>
-            </a:r>
-          </a:p>
-          <a:p>
-            <a:pPr>
-              <a:buNone/>
-            </a:pPr>
-            <a:r>
-              <a:rPr lang="da-DK" dirty="0" smtClean="0">
-                <a:latin typeface="Lucida Console" pitchFamily="49" charset="0"/>
-              </a:rPr>
-              <a:t>        &lt;param name="max_lo"&gt;1000&lt;/param&gt;</a:t>
-            </a:r>
-          </a:p>
-          <a:p>
-            <a:pPr>
-              <a:buNone/>
-            </a:pPr>
-            <a:r>
-              <a:rPr lang="da-DK" dirty="0" smtClean="0">
-                <a:latin typeface="Lucida Console" pitchFamily="49" charset="0"/>
-              </a:rPr>
-              <a:t>      &lt;/generator&gt;</a:t>
-            </a:r>
-          </a:p>
-          <a:p>
-            <a:pPr>
-              <a:buNone/>
-            </a:pPr>
-            <a:r>
-              <a:rPr lang="da-DK" dirty="0" smtClean="0">
-                <a:latin typeface="Lucida Console" pitchFamily="49" charset="0"/>
-              </a:rPr>
-              <a:t>    &lt;/id&gt;</a:t>
-            </a:r>
-          </a:p>
-          <a:p>
-            <a:pPr>
-              <a:buNone/>
-            </a:pPr>
-            <a:r>
-              <a:rPr lang="da-DK" dirty="0" smtClean="0">
-                <a:latin typeface="Lucida Console" pitchFamily="49" charset="0"/>
-              </a:rPr>
-              <a:t>    &lt;property name="Firstname" type="System.String”&gt;</a:t>
-            </a:r>
-          </a:p>
-          <a:p>
-            <a:pPr>
-              <a:buNone/>
-            </a:pPr>
-            <a:r>
-              <a:rPr lang="da-DK" dirty="0" smtClean="0">
-                <a:latin typeface="Lucida Console" pitchFamily="49" charset="0"/>
-              </a:rPr>
-              <a:t>      &lt;column name="Firstname" /&gt;</a:t>
-            </a:r>
-          </a:p>
-          <a:p>
-            <a:pPr>
-              <a:buNone/>
-            </a:pPr>
-            <a:r>
-              <a:rPr lang="da-DK" dirty="0" smtClean="0">
-                <a:latin typeface="Lucida Console" pitchFamily="49" charset="0"/>
-              </a:rPr>
-              <a:t>    &lt;/property&gt;</a:t>
-            </a:r>
-          </a:p>
-          <a:p>
-            <a:pPr>
-              <a:buNone/>
-            </a:pPr>
-            <a:r>
-              <a:rPr lang="da-DK" dirty="0" smtClean="0">
-                <a:latin typeface="Lucida Console" pitchFamily="49" charset="0"/>
-              </a:rPr>
-              <a:t>&lt;/class&gt;</a:t>
-            </a:r>
-          </a:p>
-          <a:p>
-            <a:pPr>
-              <a:buNone/>
-            </a:pPr>
-            <a:r>
-              <a:rPr lang="da-DK" dirty="0" smtClean="0">
-                <a:latin typeface="Lucida Console" pitchFamily="49" charset="0"/>
-              </a:rPr>
-              <a:t>&lt;/hibernate-mapping&gt;</a:t>
-            </a:r>
-            <a:endParaRPr lang="da-DK" dirty="0">
-              <a:latin typeface="Lucida Console" pitchFamily="49" charset="0"/>
-            </a:endParaRPr>
+          <a:bodyPr/>
+          <a:lstStyle/>
+          <a:p>
+            <a:r>
+              <a:rPr lang="da-DK" dirty="0" smtClean="0"/>
+              <a:t>Database</a:t>
+            </a:r>
+          </a:p>
+          <a:p>
+            <a:r>
+              <a:rPr lang="da-DK" dirty="0" smtClean="0"/>
+              <a:t>Entities (POCOs)</a:t>
+            </a:r>
+          </a:p>
+          <a:p>
+            <a:r>
+              <a:rPr lang="da-DK" dirty="0" smtClean="0"/>
+              <a:t>Mappings</a:t>
+            </a:r>
+          </a:p>
+          <a:p>
+            <a:endParaRPr lang="da-DK" dirty="0" smtClean="0"/>
+          </a:p>
+          <a:p>
+            <a:endParaRPr lang="da-DK" dirty="0"/>
           </a:p>
         </p:txBody>
       </p:sp>
@@ -4097,7 +3981,7 @@
           <a:p>
             <a:r>
               <a:rPr lang="da-DK" dirty="0" smtClean="0"/>
-              <a:t>Fluent Mapping</a:t>
+              <a:t>XML Mapping</a:t>
             </a:r>
             <a:endParaRPr lang="da-DK" dirty="0"/>
           </a:p>
@@ -4116,7 +4000,7 @@
         <p:spPr/>
         <p:txBody>
           <a:bodyPr>
-            <a:normAutofit/>
+            <a:normAutofit fontScale="62500" lnSpcReduction="20000"/>
           </a:bodyPr>
           <a:lstStyle/>
           <a:p>
@@ -4124,16 +4008,21 @@
               <a:buNone/>
             </a:pPr>
             <a:r>
-              <a:rPr lang="da-DK" sz="2000" dirty="0" smtClean="0">
+              <a:rPr lang="da-DK" dirty="0" smtClean="0">
                 <a:latin typeface="Lucida Console" pitchFamily="49" charset="0"/>
               </a:rPr>
-              <a:t>Table</a:t>
-            </a:r>
-            <a:r>
-              <a:rPr lang="da-DK" sz="2000" dirty="0">
+              <a:t>&lt;hibernate-mapping&gt;</a:t>
+            </a:r>
+          </a:p>
+          <a:p>
+            <a:pPr>
+              <a:buNone/>
+            </a:pPr>
+            <a:r>
+              <a:rPr lang="da-DK" dirty="0" smtClean="0">
                 <a:latin typeface="Lucida Console" pitchFamily="49" charset="0"/>
               </a:rPr>
-              <a:t>("Person");</a:t>
+              <a:t>  &lt;class&gt;</a:t>
             </a:r>
           </a:p>
           <a:p>
@@ -4141,16 +4030,21 @@
               <a:buNone/>
             </a:pPr>
             <a:r>
-              <a:rPr lang="da-DK" sz="2000" dirty="0" smtClean="0">
+              <a:rPr lang="da-DK" dirty="0" smtClean="0">
                 <a:latin typeface="Lucida Console" pitchFamily="49" charset="0"/>
               </a:rPr>
-              <a:t>Id(x </a:t>
-            </a:r>
-            <a:r>
-              <a:rPr lang="da-DK" sz="2000" dirty="0">
+              <a:t>    &lt;id name="Id" type="System.Int32”&gt;</a:t>
+            </a:r>
+          </a:p>
+          <a:p>
+            <a:pPr>
+              <a:buNone/>
+            </a:pPr>
+            <a:r>
+              <a:rPr lang="da-DK" dirty="0" smtClean="0">
                 <a:latin typeface="Lucida Console" pitchFamily="49" charset="0"/>
               </a:rPr>
-              <a:t>=&gt; x.Id).GeneratedBy.HiLo("1000");</a:t>
+              <a:t>      &lt;column name="Id" /&gt;</a:t>
             </a:r>
           </a:p>
           <a:p>
@@ -4158,24 +4052,100 @@
               <a:buNone/>
             </a:pPr>
             <a:r>
-              <a:rPr lang="da-DK" sz="2000" dirty="0" smtClean="0">
+              <a:rPr lang="da-DK" dirty="0" smtClean="0">
                 <a:latin typeface="Lucida Console" pitchFamily="49" charset="0"/>
               </a:rPr>
-              <a:t>Map(x </a:t>
-            </a:r>
-            <a:r>
-              <a:rPr lang="da-DK" sz="2000" dirty="0">
+              <a:t>      &lt;generator class="hilo"&gt;</a:t>
+            </a:r>
+          </a:p>
+          <a:p>
+            <a:pPr>
+              <a:buNone/>
+            </a:pPr>
+            <a:r>
+              <a:rPr lang="da-DK" dirty="0" smtClean="0">
                 <a:latin typeface="Lucida Console" pitchFamily="49" charset="0"/>
               </a:rPr>
-              <a:t>=&gt; x.Firstname</a:t>
-            </a:r>
-            <a:r>
-              <a:rPr lang="da-DK" sz="2000" dirty="0" smtClean="0">
+              <a:t>        &lt;param name="max_lo"&gt;1000&lt;/param&gt;</a:t>
+            </a:r>
+          </a:p>
+          <a:p>
+            <a:pPr>
+              <a:buNone/>
+            </a:pPr>
+            <a:r>
+              <a:rPr lang="da-DK" dirty="0" smtClean="0">
                 <a:latin typeface="Lucida Console" pitchFamily="49" charset="0"/>
               </a:rPr>
-              <a:t>);</a:t>
-            </a:r>
-            <a:endParaRPr lang="da-DK" sz="2000" dirty="0">
+              <a:t>      &lt;/generator&gt;</a:t>
+            </a:r>
+          </a:p>
+          <a:p>
+            <a:pPr>
+              <a:buNone/>
+            </a:pPr>
+            <a:r>
+              <a:rPr lang="da-DK" dirty="0" smtClean="0">
+                <a:latin typeface="Lucida Console" pitchFamily="49" charset="0"/>
+              </a:rPr>
+              <a:t>    &lt;/id&gt;</a:t>
+            </a:r>
+          </a:p>
+          <a:p>
+            <a:pPr>
+              <a:buNone/>
+            </a:pPr>
+            <a:r>
+              <a:rPr lang="da-DK" dirty="0" smtClean="0">
+                <a:latin typeface="Lucida Console" pitchFamily="49" charset="0"/>
+              </a:rPr>
+              <a:t>    &lt;property name="Firstname" type="System.String”&gt;</a:t>
+            </a:r>
+          </a:p>
+          <a:p>
+            <a:pPr>
+              <a:buNone/>
+            </a:pPr>
+            <a:r>
+              <a:rPr lang="da-DK" dirty="0" smtClean="0">
+                <a:latin typeface="Lucida Console" pitchFamily="49" charset="0"/>
+              </a:rPr>
+              <a:t>      &lt;column name="Firstname" /&gt;</a:t>
+            </a:r>
+          </a:p>
+          <a:p>
+            <a:pPr>
+              <a:buNone/>
+            </a:pPr>
+            <a:r>
+              <a:rPr lang="da-DK" dirty="0" smtClean="0">
+                <a:latin typeface="Lucida Console" pitchFamily="49" charset="0"/>
+              </a:rPr>
+              <a:t>    &lt;/property&gt;</a:t>
+            </a:r>
+          </a:p>
+          <a:p>
+            <a:pPr>
+              <a:buNone/>
+            </a:pPr>
+            <a:r>
+              <a:rPr lang="da-DK" dirty="0" smtClean="0">
+                <a:latin typeface="Lucida Console" pitchFamily="49" charset="0"/>
+              </a:rPr>
+              <a:t>&lt;/class&gt;</a:t>
+            </a:r>
+          </a:p>
+          <a:p>
+            <a:pPr>
+              <a:buNone/>
+            </a:pPr>
+            <a:r>
+              <a:rPr lang="da-DK" dirty="0" smtClean="0">
+                <a:latin typeface="Lucida Console" pitchFamily="49" charset="0"/>
+              </a:rPr>
+              <a:t>&lt;/hibernate-mapping&gt;</a:t>
+            </a:r>
+            <a:endParaRPr lang="da-DK" dirty="0">
               <a:latin typeface="Lucida Console" pitchFamily="49" charset="0"/>
             </a:endParaRPr>
           </a:p>
@@ -4223,7 +4193,7 @@
           <a:p>
             <a:r>
               <a:rPr lang="da-DK" dirty="0" smtClean="0"/>
-              <a:t>Getting data out</a:t>
+              <a:t>Fluent Mapping</a:t>
             </a:r>
             <a:endParaRPr lang="da-DK" dirty="0"/>
           </a:p>
@@ -4246,147 +4216,64 @@
           </a:bodyPr>
           <a:lstStyle/>
           <a:p>
-            <a:r>
-              <a:rPr lang="da-DK" dirty="0" smtClean="0"/>
-              <a:t>HQL</a:t>
-            </a:r>
-          </a:p>
-          <a:p>
             <a:pPr>
               <a:buNone/>
             </a:pPr>
             <a:r>
-              <a:rPr lang="en-US" sz="1800" dirty="0" err="1" smtClean="0">
+              <a:rPr lang="da-DK" sz="2000" dirty="0" smtClean="0">
                 <a:latin typeface="Lucida Console" pitchFamily="49" charset="0"/>
               </a:rPr>
-              <a:t>CreateQuery</a:t>
-            </a:r>
-            <a:r>
-              <a:rPr lang="en-US" sz="1800" dirty="0" smtClean="0">
+              <a:t>Table</a:t>
+            </a:r>
+            <a:r>
+              <a:rPr lang="da-DK" sz="2000" dirty="0">
                 <a:latin typeface="Lucida Console" pitchFamily="49" charset="0"/>
               </a:rPr>
-              <a:t>("</a:t>
-            </a:r>
-            <a:r>
-              <a:rPr lang="en-US" sz="1800" dirty="0">
+              <a:t>("Person");</a:t>
+            </a:r>
+          </a:p>
+          <a:p>
+            <a:pPr>
+              <a:buNone/>
+            </a:pPr>
+            <a:r>
+              <a:rPr lang="da-DK" sz="2000" dirty="0" smtClean="0">
                 <a:latin typeface="Lucida Console" pitchFamily="49" charset="0"/>
               </a:rPr>
-              <a:t>from p in Person where p = :</a:t>
-            </a:r>
-            <a:r>
-              <a:rPr lang="en-US" sz="1800" dirty="0" smtClean="0">
+              <a:t>Id(x </a:t>
+            </a:r>
+            <a:r>
+              <a:rPr lang="da-DK" sz="2000" dirty="0">
                 <a:latin typeface="Lucida Console" pitchFamily="49" charset="0"/>
               </a:rPr>
-              <a:t>id“)...</a:t>
-            </a:r>
-            <a:endParaRPr lang="en-US" sz="1800" dirty="0">
+              <a:t>=&gt; x.Id).GeneratedBy.HiLo("1000");</a:t>
+            </a:r>
+          </a:p>
+          <a:p>
+            <a:pPr>
+              <a:buNone/>
+            </a:pPr>
+            <a:r>
+              <a:rPr lang="da-DK" sz="2000" dirty="0" smtClean="0">
+                <a:latin typeface="Lucida Console" pitchFamily="49" charset="0"/>
+              </a:rPr>
+              <a:t>Map(x </a:t>
+            </a:r>
+            <a:r>
+              <a:rPr lang="da-DK" sz="2000" dirty="0">
+                <a:latin typeface="Lucida Console" pitchFamily="49" charset="0"/>
+              </a:rPr>
+              <a:t>=&gt; x.Firstname</a:t>
+            </a:r>
+            <a:r>
+              <a:rPr lang="da-DK" sz="2000" dirty="0" smtClean="0">
+                <a:latin typeface="Lucida Console" pitchFamily="49" charset="0"/>
+              </a:rPr>
+              <a:t>);</a:t>
+            </a:r>
+            <a:endParaRPr lang="da-DK" sz="2000" dirty="0">
               <a:latin typeface="Lucida Console" pitchFamily="49" charset="0"/>
             </a:endParaRPr>
-          </a:p>
-          <a:p>
-            <a:endParaRPr lang="da-DK" sz="1000" dirty="0" smtClean="0"/>
-          </a:p>
-          <a:p>
-            <a:r>
-              <a:rPr lang="da-DK" dirty="0" smtClean="0"/>
-              <a:t>Criteria</a:t>
-            </a:r>
-          </a:p>
-          <a:p>
-            <a:pPr>
-              <a:buNone/>
-            </a:pPr>
-            <a:r>
-              <a:rPr lang="da-DK" sz="1800" dirty="0">
-                <a:latin typeface="Lucida Console" pitchFamily="49" charset="0"/>
-              </a:rPr>
-              <a:t>CreateCriteria&lt;Person</a:t>
-            </a:r>
-            <a:r>
-              <a:rPr lang="da-DK" sz="1800" dirty="0" smtClean="0">
-                <a:latin typeface="Lucida Console" pitchFamily="49" charset="0"/>
-              </a:rPr>
-              <a:t>&gt;().</a:t>
-            </a:r>
-            <a:r>
-              <a:rPr lang="da-DK" sz="1800" dirty="0">
-                <a:latin typeface="Lucida Console" pitchFamily="49" charset="0"/>
-              </a:rPr>
-              <a:t>Add(Restrictions.Eq("Id", id</a:t>
-            </a:r>
-            <a:r>
-              <a:rPr lang="da-DK" sz="1800" dirty="0" smtClean="0">
-                <a:latin typeface="Lucida Console" pitchFamily="49" charset="0"/>
-              </a:rPr>
-              <a:t>))...</a:t>
-            </a:r>
-            <a:endParaRPr lang="da-DK" sz="1800" dirty="0">
-              <a:latin typeface="Lucida Console" pitchFamily="49" charset="0"/>
-            </a:endParaRPr>
-          </a:p>
-          <a:p>
-            <a:pPr>
-              <a:buNone/>
-            </a:pPr>
-            <a:endParaRPr lang="da-DK" sz="1000" dirty="0" smtClean="0"/>
-          </a:p>
-          <a:p>
-            <a:r>
-              <a:rPr lang="da-DK" dirty="0" smtClean="0"/>
-              <a:t>QueryOver</a:t>
-            </a:r>
-          </a:p>
-          <a:p>
-            <a:pPr>
-              <a:buNone/>
-            </a:pPr>
-            <a:r>
-              <a:rPr lang="da-DK" sz="1800" dirty="0">
-                <a:latin typeface="Lucida Console" pitchFamily="49" charset="0"/>
-              </a:rPr>
-              <a:t>QueryOver&lt;Person</a:t>
-            </a:r>
-            <a:r>
-              <a:rPr lang="da-DK" sz="1800" dirty="0" smtClean="0">
-                <a:latin typeface="Lucida Console" pitchFamily="49" charset="0"/>
-              </a:rPr>
-              <a:t>&gt;().Where(x </a:t>
-            </a:r>
-            <a:r>
-              <a:rPr lang="da-DK" sz="1800" dirty="0">
-                <a:latin typeface="Lucida Console" pitchFamily="49" charset="0"/>
-              </a:rPr>
-              <a:t>=&gt; x.Id == id</a:t>
-            </a:r>
-            <a:r>
-              <a:rPr lang="da-DK" sz="1800" dirty="0" smtClean="0">
-                <a:latin typeface="Lucida Console" pitchFamily="49" charset="0"/>
-              </a:rPr>
-              <a:t>)...</a:t>
-            </a:r>
-          </a:p>
-          <a:p>
-            <a:pPr>
-              <a:buNone/>
-            </a:pPr>
-            <a:endParaRPr lang="da-DK" sz="1000" dirty="0" smtClean="0"/>
-          </a:p>
-          <a:p>
-            <a:r>
-              <a:rPr lang="da-DK" dirty="0" smtClean="0"/>
-              <a:t>Get</a:t>
-            </a:r>
-          </a:p>
-          <a:p>
-            <a:pPr>
-              <a:buNone/>
-            </a:pPr>
-            <a:r>
-              <a:rPr lang="da-DK" sz="1800" dirty="0" smtClean="0">
-                <a:latin typeface="Lucida Console" pitchFamily="49" charset="0"/>
-              </a:rPr>
-              <a:t>Get&lt;Person&gt;(id)</a:t>
-            </a:r>
           </a:p>
         </p:txBody>
       </p:sp>
@@ -4399,6 +4286,242 @@
 </file>
 
 <file path=ppt/slides/slide7.xml><?xml version="1.0" encoding="utf-8"?>
+<p:sld xmlns:a="http://schemas.openxmlformats.org/drawingml/2006/main" xmlns:r="http://schemas.openxmlformats.org/officeDocument/2006/relationships" xmlns:p="http://schemas.openxmlformats.org/presentationml/2006/main">
+  <p:cSld>
+    <p:spTree>
+      <p:nvGrpSpPr>
+        <p:cNvPr id="1" name=""/>
+        <p:cNvGrpSpPr/>
+        <p:nvPr/>
+      </p:nvGrpSpPr>
+      <p:grpSpPr>
+        <a:xfrm>
+          <a:off x="0" y="0"/>
+          <a:ext cx="0" cy="0"/>
+          <a:chOff x="0" y="0"/>
+          <a:chExt cx="0" cy="0"/>
+        </a:xfrm>
+      </p:grpSpPr>
+      <p:sp>
+        <p:nvSpPr>
+          <p:cNvPr id="2" name="Title 1"/>
+          <p:cNvSpPr>
+            <a:spLocks noGrp="1"/>
+          </p:cNvSpPr>
+          <p:nvPr>
+            <p:ph type="title"/>
+          </p:nvPr>
+        </p:nvSpPr>
+        <p:spPr/>
+        <p:txBody>
+          <a:bodyPr/>
+          <a:lstStyle/>
+          <a:p>
+            <a:r>
+              <a:rPr lang="da-DK" dirty="0" smtClean="0"/>
+              <a:t>Getting data out</a:t>
+            </a:r>
+            <a:endParaRPr lang="da-DK" dirty="0"/>
+          </a:p>
+        </p:txBody>
+      </p:sp>
+      <p:sp>
+        <p:nvSpPr>
+          <p:cNvPr id="3" name="Content Placeholder 2"/>
+          <p:cNvSpPr>
+            <a:spLocks noGrp="1"/>
+          </p:cNvSpPr>
+          <p:nvPr>
+            <p:ph idx="1"/>
+          </p:nvPr>
+        </p:nvSpPr>
+        <p:spPr/>
+        <p:txBody>
+          <a:bodyPr>
+            <a:normAutofit fontScale="92500" lnSpcReduction="20000"/>
+          </a:bodyPr>
+          <a:lstStyle/>
+          <a:p>
+            <a:r>
+              <a:rPr lang="da-DK" dirty="0" smtClean="0"/>
+              <a:t>HQL</a:t>
+            </a:r>
+          </a:p>
+          <a:p>
+            <a:pPr>
+              <a:buNone/>
+            </a:pPr>
+            <a:r>
+              <a:rPr lang="en-US" sz="1800" dirty="0" err="1" smtClean="0">
+                <a:latin typeface="Lucida Console" pitchFamily="49" charset="0"/>
+              </a:rPr>
+              <a:t>CreateQuery</a:t>
+            </a:r>
+            <a:r>
+              <a:rPr lang="en-US" sz="1800" dirty="0" smtClean="0">
+                <a:latin typeface="Lucida Console" pitchFamily="49" charset="0"/>
+              </a:rPr>
+              <a:t>("</a:t>
+            </a:r>
+            <a:r>
+              <a:rPr lang="en-US" sz="1800" dirty="0">
+                <a:latin typeface="Lucida Console" pitchFamily="49" charset="0"/>
+              </a:rPr>
+              <a:t>from p in Person where p = :</a:t>
+            </a:r>
+            <a:r>
+              <a:rPr lang="en-US" sz="1800" dirty="0" smtClean="0">
+                <a:latin typeface="Lucida Console" pitchFamily="49" charset="0"/>
+              </a:rPr>
+              <a:t>id“)...</a:t>
+            </a:r>
+            <a:endParaRPr lang="en-US" sz="1800" dirty="0">
+              <a:latin typeface="Lucida Console" pitchFamily="49" charset="0"/>
+            </a:endParaRPr>
+          </a:p>
+          <a:p>
+            <a:endParaRPr lang="da-DK" sz="1000" dirty="0" smtClean="0"/>
+          </a:p>
+          <a:p>
+            <a:r>
+              <a:rPr lang="da-DK" dirty="0" smtClean="0"/>
+              <a:t>Criteria</a:t>
+            </a:r>
+          </a:p>
+          <a:p>
+            <a:pPr>
+              <a:buNone/>
+            </a:pPr>
+            <a:r>
+              <a:rPr lang="da-DK" sz="1800" dirty="0">
+                <a:latin typeface="Lucida Console" pitchFamily="49" charset="0"/>
+              </a:rPr>
+              <a:t>CreateCriteria&lt;Person</a:t>
+            </a:r>
+            <a:r>
+              <a:rPr lang="da-DK" sz="1800" dirty="0" smtClean="0">
+                <a:latin typeface="Lucida Console" pitchFamily="49" charset="0"/>
+              </a:rPr>
+              <a:t>&gt;().</a:t>
+            </a:r>
+            <a:r>
+              <a:rPr lang="da-DK" sz="1800" dirty="0">
+                <a:latin typeface="Lucida Console" pitchFamily="49" charset="0"/>
+              </a:rPr>
+              <a:t>Add(Restrictions.Eq("Id", id</a:t>
+            </a:r>
+            <a:r>
+              <a:rPr lang="da-DK" sz="1800" dirty="0" smtClean="0">
+                <a:latin typeface="Lucida Console" pitchFamily="49" charset="0"/>
+              </a:rPr>
+              <a:t>))...</a:t>
+            </a:r>
+            <a:endParaRPr lang="da-DK" sz="1800" dirty="0">
+              <a:latin typeface="Lucida Console" pitchFamily="49" charset="0"/>
+            </a:endParaRPr>
+          </a:p>
+          <a:p>
+            <a:pPr>
+              <a:buNone/>
+            </a:pPr>
+            <a:endParaRPr lang="da-DK" sz="1000" dirty="0" smtClean="0"/>
+          </a:p>
+          <a:p>
+            <a:r>
+              <a:rPr lang="da-DK" dirty="0" smtClean="0"/>
+              <a:t>QueryOver</a:t>
+            </a:r>
+          </a:p>
+          <a:p>
+            <a:pPr>
+              <a:buNone/>
+            </a:pPr>
+            <a:r>
+              <a:rPr lang="da-DK" sz="1800" dirty="0">
+                <a:latin typeface="Lucida Console" pitchFamily="49" charset="0"/>
+              </a:rPr>
+              <a:t>QueryOver&lt;Person</a:t>
+            </a:r>
+            <a:r>
+              <a:rPr lang="da-DK" sz="1800" dirty="0" smtClean="0">
+                <a:latin typeface="Lucida Console" pitchFamily="49" charset="0"/>
+              </a:rPr>
+              <a:t>&gt;().Where(x </a:t>
+            </a:r>
+            <a:r>
+              <a:rPr lang="da-DK" sz="1800" dirty="0">
+                <a:latin typeface="Lucida Console" pitchFamily="49" charset="0"/>
+              </a:rPr>
+              <a:t>=&gt; x.Id == id</a:t>
+            </a:r>
+            <a:r>
+              <a:rPr lang="da-DK" sz="1800" dirty="0" smtClean="0">
+                <a:latin typeface="Lucida Console" pitchFamily="49" charset="0"/>
+              </a:rPr>
+              <a:t>)...</a:t>
+            </a:r>
+            <a:endParaRPr lang="da-DK" sz="1800" dirty="0" smtClean="0">
+              <a:latin typeface="Lucida Console" pitchFamily="49" charset="0"/>
+            </a:endParaRPr>
+          </a:p>
+          <a:p>
+            <a:pPr>
+              <a:buNone/>
+            </a:pPr>
+            <a:endParaRPr lang="da-DK" sz="1000" dirty="0" smtClean="0"/>
+          </a:p>
+          <a:p>
+            <a:r>
+              <a:rPr lang="da-DK" dirty="0" smtClean="0"/>
+              <a:t>LINQ</a:t>
+            </a:r>
+          </a:p>
+          <a:p>
+            <a:pPr>
+              <a:buNone/>
+            </a:pPr>
+            <a:r>
+              <a:rPr lang="da-DK" sz="1800" dirty="0" smtClean="0">
+                <a:latin typeface="Lucida Console" pitchFamily="49" charset="0"/>
+              </a:rPr>
+              <a:t>Query&lt;Person&gt;().Where(x =&gt; x.Id == id)...</a:t>
+            </a:r>
+          </a:p>
+          <a:p>
+            <a:pPr>
+              <a:buNone/>
+            </a:pPr>
+            <a:endParaRPr lang="da-DK" sz="1100" dirty="0" smtClean="0"/>
+          </a:p>
+          <a:p>
+            <a:r>
+              <a:rPr lang="da-DK" dirty="0" smtClean="0"/>
+              <a:t>Get</a:t>
+            </a:r>
+            <a:endParaRPr lang="da-DK" dirty="0" smtClean="0"/>
+          </a:p>
+          <a:p>
+            <a:pPr>
+              <a:buNone/>
+            </a:pPr>
+            <a:r>
+              <a:rPr lang="da-DK" sz="1800" dirty="0" smtClean="0">
+                <a:latin typeface="Lucida Console" pitchFamily="49" charset="0"/>
+              </a:rPr>
+              <a:t>Get&lt;Person&gt;(id)</a:t>
+            </a:r>
+          </a:p>
+        </p:txBody>
+      </p:sp>
+    </p:spTree>
+  </p:cSld>
+  <p:clrMapOvr>
+    <a:masterClrMapping/>
+  </p:clrMapOvr>
+</p:sld>
+</file>
+
+<file path=ppt/slides/slide8.xml><?xml version="1.0" encoding="utf-8"?>
 <p:sld xmlns:a="http://schemas.openxmlformats.org/drawingml/2006/main" xmlns:r="http://schemas.openxmlformats.org/officeDocument/2006/relationships" xmlns:p="http://schemas.openxmlformats.org/presentationml/2006/main">
   <p:cSld>
     <p:spTree>
@@ -4560,6 +4683,129 @@
           </a:ln>
         </p:spPr>
       </p:pic>
+    </p:spTree>
+  </p:cSld>
+  <p:clrMapOvr>
+    <a:masterClrMapping/>
+  </p:clrMapOvr>
+</p:sld>
+</file>
+
+<file path=ppt/slides/slide9.xml><?xml version="1.0" encoding="utf-8"?>
+<p:sld xmlns:a="http://schemas.openxmlformats.org/drawingml/2006/main" xmlns:r="http://schemas.openxmlformats.org/officeDocument/2006/relationships" xmlns:p="http://schemas.openxmlformats.org/presentationml/2006/main">
+  <p:cSld>
+    <p:spTree>
+      <p:nvGrpSpPr>
+        <p:cNvPr id="1" name=""/>
+        <p:cNvGrpSpPr/>
+        <p:nvPr/>
+      </p:nvGrpSpPr>
+      <p:grpSpPr>
+        <a:xfrm>
+          <a:off x="0" y="0"/>
+          <a:ext cx="0" cy="0"/>
+          <a:chOff x="0" y="0"/>
+          <a:chExt cx="0" cy="0"/>
+        </a:xfrm>
+      </p:grpSpPr>
+      <p:sp>
+        <p:nvSpPr>
+          <p:cNvPr id="2" name="Title 1"/>
+          <p:cNvSpPr>
+            <a:spLocks noGrp="1"/>
+          </p:cNvSpPr>
+          <p:nvPr>
+            <p:ph type="title"/>
+          </p:nvPr>
+        </p:nvSpPr>
+        <p:spPr/>
+        <p:txBody>
+          <a:bodyPr/>
+          <a:lstStyle/>
+          <a:p>
+            <a:r>
+              <a:rPr lang="da-DK" dirty="0" smtClean="0"/>
+              <a:t>Source</a:t>
+            </a:r>
+            <a:endParaRPr lang="da-DK" dirty="0"/>
+          </a:p>
+        </p:txBody>
+      </p:sp>
+      <p:sp>
+        <p:nvSpPr>
+          <p:cNvPr id="3" name="Content Placeholder 2"/>
+          <p:cNvSpPr>
+            <a:spLocks noGrp="1"/>
+          </p:cNvSpPr>
+          <p:nvPr>
+            <p:ph idx="1"/>
+          </p:nvPr>
+        </p:nvSpPr>
+        <p:spPr/>
+        <p:txBody>
+          <a:bodyPr/>
+          <a:lstStyle/>
+          <a:p>
+            <a:r>
+              <a:rPr lang="da-DK" dirty="0" smtClean="0"/>
+              <a:t>Presentation source code</a:t>
+            </a:r>
+          </a:p>
+          <a:p>
+            <a:pPr>
+              <a:buNone/>
+            </a:pPr>
+            <a:r>
+              <a:rPr lang="da-DK" dirty="0" smtClean="0"/>
+              <a:t>	</a:t>
+            </a:r>
+            <a:r>
+              <a:rPr lang="da-DK" dirty="0" smtClean="0">
+                <a:hlinkClick r:id="rId2"/>
+              </a:rPr>
+              <a:t>http://github.com/chripede/mow2011</a:t>
+            </a:r>
+            <a:endParaRPr lang="da-DK" dirty="0" smtClean="0"/>
+          </a:p>
+          <a:p>
+            <a:pPr>
+              <a:buNone/>
+            </a:pPr>
+            <a:endParaRPr lang="da-DK" dirty="0" smtClean="0"/>
+          </a:p>
+          <a:p>
+            <a:r>
+              <a:rPr lang="da-DK" dirty="0" smtClean="0"/>
+              <a:t>NHibernate</a:t>
+            </a:r>
+          </a:p>
+          <a:p>
+            <a:pPr>
+              <a:buNone/>
+            </a:pPr>
+            <a:r>
+              <a:rPr lang="da-DK" dirty="0" smtClean="0"/>
+              <a:t>	</a:t>
+            </a:r>
+            <a:r>
+              <a:rPr lang="da-DK" dirty="0" smtClean="0">
+                <a:hlinkClick r:id="rId3"/>
+              </a:rPr>
+              <a:t>http://nhforge.org/</a:t>
+            </a:r>
+            <a:endParaRPr lang="da-DK" dirty="0" smtClean="0"/>
+          </a:p>
+          <a:p>
+            <a:pPr>
+              <a:buNone/>
+            </a:pPr>
+            <a:endParaRPr lang="da-DK" dirty="0" smtClean="0"/>
+          </a:p>
+          <a:p>
+            <a:endParaRPr lang="da-DK" dirty="0"/>
+          </a:p>
+        </p:txBody>
+      </p:sp>
     </p:spTree>
   </p:cSld>
   <p:clrMapOvr>
